--- a/public/apresentacao/Integracao_com_a_Prescricao_Eletronica_do_CFM.pptx
+++ b/public/apresentacao/Integracao_com_a_Prescricao_Eletronica_do_CFM.pptx
@@ -5,7 +5,7 @@
     <p:sldMasterId id="2147483657" r:id="rId1"/>
   </p:sldMasterIdLst>
   <p:notesMasterIdLst>
-    <p:notesMasterId r:id="rId20"/>
+    <p:notesMasterId r:id="rId21"/>
   </p:notesMasterIdLst>
   <p:sldIdLst>
     <p:sldId id="256" r:id="rId2"/>
@@ -26,23 +26,24 @@
     <p:sldId id="283" r:id="rId17"/>
     <p:sldId id="292" r:id="rId18"/>
     <p:sldId id="293" r:id="rId19"/>
+    <p:sldId id="295" r:id="rId20"/>
   </p:sldIdLst>
   <p:sldSz cx="9144000" cy="5143500" type="screen16x9"/>
   <p:notesSz cx="6858000" cy="9144000"/>
   <p:embeddedFontLst>
     <p:embeddedFont>
       <p:font typeface="Calibri" panose="020F0502020204030204" pitchFamily="34" charset="0"/>
-      <p:regular r:id="rId21"/>
-      <p:bold r:id="rId22"/>
-      <p:italic r:id="rId23"/>
-      <p:boldItalic r:id="rId24"/>
+      <p:regular r:id="rId22"/>
+      <p:bold r:id="rId23"/>
+      <p:italic r:id="rId24"/>
+      <p:boldItalic r:id="rId25"/>
     </p:embeddedFont>
     <p:embeddedFont>
       <p:font typeface="Montserrat" panose="020B0604020202020204" charset="0"/>
-      <p:regular r:id="rId25"/>
-      <p:bold r:id="rId26"/>
-      <p:italic r:id="rId27"/>
-      <p:boldItalic r:id="rId28"/>
+      <p:regular r:id="rId26"/>
+      <p:bold r:id="rId27"/>
+      <p:italic r:id="rId28"/>
+      <p:boldItalic r:id="rId29"/>
     </p:embeddedFont>
   </p:embeddedFontLst>
   <p:defaultTextStyle>
@@ -1809,6 +1810,115 @@
     <p:extLst>
       <p:ext uri="{BB962C8B-B14F-4D97-AF65-F5344CB8AC3E}">
         <p14:creationId xmlns:p14="http://schemas.microsoft.com/office/powerpoint/2010/main" val="2254675694"/>
+      </p:ext>
+    </p:extLst>
+  </p:cSld>
+  <p:clrMapOvr>
+    <a:masterClrMapping/>
+  </p:clrMapOvr>
+</p:notes>
+</file>
+
+<file path=ppt/notesSlides/notesSlide19.xml><?xml version="1.0" encoding="utf-8"?>
+<p:notes xmlns:a="http://schemas.openxmlformats.org/drawingml/2006/main" xmlns:r="http://schemas.openxmlformats.org/officeDocument/2006/relationships" xmlns:p="http://schemas.openxmlformats.org/presentationml/2006/main" showMasterSp="0" showMasterPhAnim="0">
+  <p:cSld>
+    <p:spTree>
+      <p:nvGrpSpPr>
+        <p:cNvPr id="1" name="Shape 58"/>
+        <p:cNvGrpSpPr/>
+        <p:nvPr/>
+      </p:nvGrpSpPr>
+      <p:grpSpPr>
+        <a:xfrm>
+          <a:off x="0" y="0"/>
+          <a:ext cx="0" cy="0"/>
+          <a:chOff x="0" y="0"/>
+          <a:chExt cx="0" cy="0"/>
+        </a:xfrm>
+      </p:grpSpPr>
+      <p:sp>
+        <p:nvSpPr>
+          <p:cNvPr id="59" name="Google Shape;59;g35f391192_00:notes"/>
+          <p:cNvSpPr>
+            <a:spLocks noGrp="1" noRot="1" noChangeAspect="1"/>
+          </p:cNvSpPr>
+          <p:nvPr>
+            <p:ph type="sldImg" idx="2"/>
+          </p:nvPr>
+        </p:nvSpPr>
+        <p:spPr>
+          <a:xfrm>
+            <a:off x="381000" y="685800"/>
+            <a:ext cx="6096000" cy="3429000"/>
+          </a:xfrm>
+          <a:custGeom>
+            <a:avLst/>
+            <a:gdLst/>
+            <a:ahLst/>
+            <a:cxnLst/>
+            <a:rect l="l" t="t" r="r" b="b"/>
+            <a:pathLst>
+              <a:path w="120000" h="120000" extrusionOk="0">
+                <a:moveTo>
+                  <a:pt x="0" y="0"/>
+                </a:moveTo>
+                <a:lnTo>
+                  <a:pt x="120000" y="0"/>
+                </a:lnTo>
+                <a:lnTo>
+                  <a:pt x="120000" y="120000"/>
+                </a:lnTo>
+                <a:lnTo>
+                  <a:pt x="0" y="120000"/>
+                </a:lnTo>
+                <a:close/>
+              </a:path>
+            </a:pathLst>
+          </a:custGeom>
+        </p:spPr>
+      </p:sp>
+      <p:sp>
+        <p:nvSpPr>
+          <p:cNvPr id="60" name="Google Shape;60;g35f391192_00:notes"/>
+          <p:cNvSpPr txBox="1">
+            <a:spLocks noGrp="1"/>
+          </p:cNvSpPr>
+          <p:nvPr>
+            <p:ph type="body" idx="1"/>
+          </p:nvPr>
+        </p:nvSpPr>
+        <p:spPr>
+          <a:xfrm>
+            <a:off x="685800" y="4343400"/>
+            <a:ext cx="5486400" cy="4114800"/>
+          </a:xfrm>
+          <a:prstGeom prst="rect">
+            <a:avLst/>
+          </a:prstGeom>
+        </p:spPr>
+        <p:txBody>
+          <a:bodyPr spcFirstLastPara="1" wrap="square" lIns="91425" tIns="91425" rIns="91425" bIns="91425" anchor="t" anchorCtr="0">
+            <a:noAutofit/>
+          </a:bodyPr>
+          <a:lstStyle/>
+          <a:p>
+            <a:pPr marL="0" lvl="0" indent="0" algn="l" rtl="0">
+              <a:spcBef>
+                <a:spcPts val="0"/>
+              </a:spcBef>
+              <a:spcAft>
+                <a:spcPts val="0"/>
+              </a:spcAft>
+              <a:buNone/>
+            </a:pPr>
+            <a:endParaRPr/>
+          </a:p>
+        </p:txBody>
+      </p:sp>
+    </p:spTree>
+    <p:extLst>
+      <p:ext uri="{BB962C8B-B14F-4D97-AF65-F5344CB8AC3E}">
+        <p14:creationId xmlns:p14="http://schemas.microsoft.com/office/powerpoint/2010/main" val="885762566"/>
       </p:ext>
     </p:extLst>
   </p:cSld>
@@ -8028,7 +8138,7 @@
               <a:rPr lang="en" sz="4000" dirty="0" smtClean="0">
                 <a:latin typeface="Aquawax Pro Bold" panose="02000003020000020004" pitchFamily="50" charset="0"/>
               </a:rPr>
-              <a:t>Como fica o procedimento para seu 							usuário?</a:t>
+              <a:t>Qual a experiência do usuário final?</a:t>
             </a:r>
             <a:endParaRPr sz="4000" dirty="0">
               <a:latin typeface="Aquawax Pro Bold" panose="02000003020000020004" pitchFamily="50" charset="0"/>
@@ -8917,12 +9027,12 @@
               <a:buNone/>
             </a:pPr>
             <a:r>
-              <a:rPr lang="en" sz="4000" dirty="0" smtClean="0">
+              <a:rPr lang="en" sz="3600" dirty="0" smtClean="0">
                 <a:latin typeface="Aquawax Pro Bold" panose="02000003020000020004" pitchFamily="50" charset="0"/>
               </a:rPr>
-              <a:t>O que fazer para se integrar?</a:t>
+              <a:t>Quais os próximos passos para a integração?</a:t>
             </a:r>
-            <a:endParaRPr sz="4000" dirty="0">
+            <a:endParaRPr sz="3600" dirty="0">
               <a:latin typeface="Aquawax Pro Bold" panose="02000003020000020004" pitchFamily="50" charset="0"/>
             </a:endParaRPr>
           </a:p>
@@ -8940,7 +9050,7 @@
         </p:nvSpPr>
         <p:spPr>
           <a:xfrm>
-            <a:off x="358219" y="3178398"/>
+            <a:off x="358218" y="3069420"/>
             <a:ext cx="7654565" cy="1850244"/>
           </a:xfrm>
           <a:prstGeom prst="rect">
@@ -8959,17 +9069,31 @@
               </a:spcBef>
             </a:pPr>
             <a:r>
-              <a:rPr lang="pt-BR" sz="2000" dirty="0" smtClean="0">
+              <a:rPr lang="pt-BR" sz="1600" dirty="0" smtClean="0">
                 <a:latin typeface="Aquawax Pro Light" panose="02000003020000020004" pitchFamily="50" charset="0"/>
               </a:rPr>
               <a:t>Acessar a documentação do desenvolvedor:</a:t>
             </a:r>
             <a:br>
-              <a:rPr lang="pt-BR" sz="2000" dirty="0" smtClean="0">
+              <a:rPr lang="pt-BR" sz="1600" dirty="0" smtClean="0">
                 <a:latin typeface="Aquawax Pro Light" panose="02000003020000020004" pitchFamily="50" charset="0"/>
               </a:rPr>
             </a:br>
-            <a:endParaRPr lang="pt-BR" sz="2000" dirty="0" smtClean="0">
+            <a:r>
+              <a:rPr lang="pt-BR" sz="1400" dirty="0">
+                <a:latin typeface="Aquawax Pro Light" panose="02000003020000020004" pitchFamily="50" charset="0"/>
+                <a:hlinkClick r:id="rId3"/>
+              </a:rPr>
+              <a:t>https://</a:t>
+            </a:r>
+            <a:r>
+              <a:rPr lang="pt-BR" sz="1400" dirty="0" smtClean="0">
+                <a:latin typeface="Aquawax Pro Light" panose="02000003020000020004" pitchFamily="50" charset="0"/>
+                <a:hlinkClick r:id="rId3"/>
+              </a:rPr>
+              <a:t>conselho-federal-de-medicina.github.io/integracao-prescricao-cfm</a:t>
+            </a:r>
+            <a:endParaRPr lang="pt-BR" sz="1400" dirty="0" smtClean="0">
               <a:latin typeface="Aquawax Pro Light" panose="02000003020000020004" pitchFamily="50" charset="0"/>
             </a:endParaRPr>
           </a:p>
@@ -8980,10 +9104,22 @@
               </a:spcBef>
             </a:pPr>
             <a:r>
-              <a:rPr lang="pt-BR" sz="2000" dirty="0" smtClean="0">
+              <a:rPr lang="pt-BR" sz="1600" dirty="0" smtClean="0">
                 <a:latin typeface="Aquawax Pro Light" panose="02000003020000020004" pitchFamily="50" charset="0"/>
               </a:rPr>
-              <a:t>Testar no ambiente de simulação</a:t>
+              <a:t>Testar </a:t>
+            </a:r>
+            <a:r>
+              <a:rPr lang="pt-BR" sz="1600" dirty="0" smtClean="0">
+                <a:latin typeface="Aquawax Pro Light" panose="02000003020000020004" pitchFamily="50" charset="0"/>
+              </a:rPr>
+              <a:t>no ambiente de </a:t>
+            </a:r>
+            <a:r>
+              <a:rPr lang="pt-BR" sz="1600" dirty="0" smtClean="0">
+                <a:latin typeface="Aquawax Pro Light" panose="02000003020000020004" pitchFamily="50" charset="0"/>
+              </a:rPr>
+              <a:t>simulação</a:t>
             </a:r>
           </a:p>
           <a:p>
@@ -8993,10 +9129,16 @@
               </a:spcBef>
             </a:pPr>
             <a:r>
-              <a:rPr lang="pt-BR" sz="2000" dirty="0" smtClean="0">
+              <a:rPr lang="pt-BR" sz="1600" dirty="0" smtClean="0">
                 <a:latin typeface="Aquawax Pro Light" panose="02000003020000020004" pitchFamily="50" charset="0"/>
               </a:rPr>
-              <a:t>Cadastrar sua aplicação no CFM</a:t>
+              <a:t>Cadastrar </a:t>
+            </a:r>
+            <a:r>
+              <a:rPr lang="pt-BR" sz="1600" dirty="0" smtClean="0">
+                <a:latin typeface="Aquawax Pro Light" panose="02000003020000020004" pitchFamily="50" charset="0"/>
+              </a:rPr>
+              <a:t>sua aplicação no CFM</a:t>
             </a:r>
           </a:p>
           <a:p>
@@ -9006,10 +9148,16 @@
               </a:spcBef>
             </a:pPr>
             <a:r>
-              <a:rPr lang="pt-BR" sz="2000" dirty="0" smtClean="0">
+              <a:rPr lang="pt-BR" sz="1600" dirty="0" smtClean="0">
                 <a:latin typeface="Aquawax Pro Light" panose="02000003020000020004" pitchFamily="50" charset="0"/>
               </a:rPr>
-              <a:t>Testar no ambiente de homologação</a:t>
+              <a:t>Testar no ambiente de </a:t>
+            </a:r>
+            <a:r>
+              <a:rPr lang="pt-BR" sz="1600" dirty="0" smtClean="0">
+                <a:latin typeface="Aquawax Pro Light" panose="02000003020000020004" pitchFamily="50" charset="0"/>
+              </a:rPr>
+              <a:t>homologação</a:t>
             </a:r>
           </a:p>
           <a:p>
@@ -9019,7 +9167,23 @@
               </a:spcBef>
             </a:pPr>
             <a:r>
-              <a:rPr lang="pt-BR" sz="2000" dirty="0" smtClean="0">
+              <a:rPr lang="pt-BR" sz="1600" dirty="0" smtClean="0">
+                <a:latin typeface="Aquawax Pro Light" panose="02000003020000020004" pitchFamily="50" charset="0"/>
+              </a:rPr>
+              <a:t>Formalização do ACT – Acordo de Cooperação Técnica</a:t>
+            </a:r>
+            <a:endParaRPr lang="pt-BR" sz="1600" dirty="0" smtClean="0">
+              <a:latin typeface="Aquawax Pro Light" panose="02000003020000020004" pitchFamily="50" charset="0"/>
+            </a:endParaRPr>
+          </a:p>
+          <a:p>
+            <a:pPr marL="342900" indent="-342900">
+              <a:spcBef>
+                <a:spcPts val="0"/>
+              </a:spcBef>
+            </a:pPr>
+            <a:r>
+              <a:rPr lang="pt-BR" sz="1600" dirty="0" smtClean="0">
                 <a:latin typeface="Aquawax Pro Light" panose="02000003020000020004" pitchFamily="50" charset="0"/>
               </a:rPr>
               <a:t>Publicar em produção</a:t>
@@ -9120,6 +9284,71 @@
           <p:nvPr/>
         </p:nvPicPr>
         <p:blipFill>
+          <a:blip r:embed="rId4">
+            <a:alphaModFix/>
+          </a:blip>
+          <a:stretch>
+            <a:fillRect/>
+          </a:stretch>
+        </p:blipFill>
+        <p:spPr>
+          <a:xfrm>
+            <a:off x="7943900" y="3903225"/>
+            <a:ext cx="874249" cy="874249"/>
+          </a:xfrm>
+          <a:prstGeom prst="rect">
+            <a:avLst/>
+          </a:prstGeom>
+          <a:noFill/>
+          <a:ln>
+            <a:noFill/>
+          </a:ln>
+        </p:spPr>
+      </p:pic>
+    </p:spTree>
+    <p:extLst>
+      <p:ext uri="{BB962C8B-B14F-4D97-AF65-F5344CB8AC3E}">
+        <p14:creationId xmlns:p14="http://schemas.microsoft.com/office/powerpoint/2010/main" val="2010941429"/>
+      </p:ext>
+    </p:extLst>
+  </p:cSld>
+  <p:clrMapOvr>
+    <a:masterClrMapping/>
+  </p:clrMapOvr>
+  <p:timing>
+    <p:tnLst>
+      <p:par>
+        <p:cTn id="1" dur="indefinite" restart="never" nodeType="tmRoot"/>
+      </p:par>
+    </p:tnLst>
+  </p:timing>
+</p:sld>
+</file>
+
+<file path=ppt/slides/slide19.xml><?xml version="1.0" encoding="utf-8"?>
+<p:sld xmlns:a="http://schemas.openxmlformats.org/drawingml/2006/main" xmlns:r="http://schemas.openxmlformats.org/officeDocument/2006/relationships" xmlns:p="http://schemas.openxmlformats.org/presentationml/2006/main">
+  <p:cSld>
+    <p:spTree>
+      <p:nvGrpSpPr>
+        <p:cNvPr id="1" name="Shape 61"/>
+        <p:cNvGrpSpPr/>
+        <p:nvPr/>
+      </p:nvGrpSpPr>
+      <p:grpSpPr>
+        <a:xfrm>
+          <a:off x="0" y="0"/>
+          <a:ext cx="0" cy="0"/>
+          <a:chOff x="0" y="0"/>
+          <a:chExt cx="0" cy="0"/>
+        </a:xfrm>
+      </p:grpSpPr>
+      <p:pic>
+        <p:nvPicPr>
+          <p:cNvPr id="63" name="Google Shape;63;p11"/>
+          <p:cNvPicPr preferRelativeResize="0"/>
+          <p:nvPr/>
+        </p:nvPicPr>
+        <p:blipFill>
           <a:blip r:embed="rId3">
             <a:alphaModFix/>
           </a:blip>
@@ -9129,7 +9358,7 @@
         </p:blipFill>
         <p:spPr>
           <a:xfrm>
-            <a:off x="7943900" y="3903225"/>
+            <a:off x="380100" y="4024625"/>
             <a:ext cx="874249" cy="874249"/>
           </a:xfrm>
           <a:prstGeom prst="rect">
@@ -9141,10 +9370,38 @@
           </a:ln>
         </p:spPr>
       </p:pic>
+      <p:sp>
+        <p:nvSpPr>
+          <p:cNvPr id="2" name="Título 1"/>
+          <p:cNvSpPr>
+            <a:spLocks noGrp="1"/>
+          </p:cNvSpPr>
+          <p:nvPr>
+            <p:ph type="ctrTitle"/>
+          </p:nvPr>
+        </p:nvSpPr>
+        <p:spPr>
+          <a:xfrm>
+            <a:off x="2999072" y="2425822"/>
+            <a:ext cx="5445900" cy="1804200"/>
+          </a:xfrm>
+        </p:spPr>
+        <p:txBody>
+          <a:bodyPr/>
+          <a:lstStyle/>
+          <a:p>
+            <a:r>
+              <a:rPr lang="pt-BR" sz="2000" dirty="0" smtClean="0"/>
+              <a:t>Obrigado!</a:t>
+            </a:r>
+            <a:endParaRPr lang="pt-BR" sz="2000" dirty="0"/>
+          </a:p>
+        </p:txBody>
+      </p:sp>
     </p:spTree>
     <p:extLst>
       <p:ext uri="{BB962C8B-B14F-4D97-AF65-F5344CB8AC3E}">
-        <p14:creationId xmlns:p14="http://schemas.microsoft.com/office/powerpoint/2010/main" val="2010941429"/>
+        <p14:creationId xmlns:p14="http://schemas.microsoft.com/office/powerpoint/2010/main" val="3526239918"/>
       </p:ext>
     </p:extLst>
   </p:cSld>
@@ -9350,7 +9607,13 @@
               <a:rPr lang="pt-BR" sz="2000" dirty="0" smtClean="0">
                 <a:latin typeface="Aquawax Pro Light" panose="02000003020000020004" pitchFamily="50" charset="0"/>
               </a:rPr>
-              <a:t>Mostrar como funciona a integração com o sistema de Prescrição Eletrônica do Conselho Federal de Medicina (CFM)</a:t>
+              <a:t>Apresentar o modelo de integração </a:t>
+            </a:r>
+            <a:r>
+              <a:rPr lang="pt-BR" sz="2000" dirty="0" smtClean="0">
+                <a:latin typeface="Aquawax Pro Light" panose="02000003020000020004" pitchFamily="50" charset="0"/>
+              </a:rPr>
+              <a:t>com o sistema de Prescrição Eletrônica do Conselho Federal de Medicina (CFM)</a:t>
             </a:r>
             <a:endParaRPr sz="2000" dirty="0">
               <a:latin typeface="Aquawax Pro Light" panose="02000003020000020004" pitchFamily="50" charset="0"/>
@@ -9970,42 +10233,31 @@
               <a:rPr lang="en" sz="4000" dirty="0" smtClean="0">
                 <a:latin typeface="Aquawax Pro Bold" panose="02000003020000020004" pitchFamily="50" charset="0"/>
               </a:rPr>
-              <a:t>Como funciona a Prescrição do CFM</a:t>
+              <a:t>Como funciona a Prescrição do </a:t>
             </a:r>
-          </a:p>
-          <a:p>
-            <a:pPr marL="0" lvl="0" indent="0" algn="l" rtl="0">
-              <a:spcBef>
-                <a:spcPts val="600"/>
-              </a:spcBef>
-              <a:spcAft>
-                <a:spcPts val="0"/>
-              </a:spcAft>
-              <a:buNone/>
-            </a:pPr>
             <a:r>
               <a:rPr lang="en" sz="4000" dirty="0" smtClean="0">
                 <a:latin typeface="Aquawax Pro Bold" panose="02000003020000020004" pitchFamily="50" charset="0"/>
               </a:rPr>
-              <a:t>						</a:t>
+              <a:t>CFM</a:t>
             </a:r>
             <a:r>
               <a:rPr lang="en" sz="4000" dirty="0">
                 <a:latin typeface="Aquawax Pro Bold" panose="02000003020000020004" pitchFamily="50" charset="0"/>
               </a:rPr>
-              <a:t>	</a:t>
+              <a:t> </a:t>
             </a:r>
             <a:r>
               <a:rPr lang="en" sz="4000" dirty="0" smtClean="0">
                 <a:latin typeface="Aquawax Pro Bold" panose="02000003020000020004" pitchFamily="50" charset="0"/>
               </a:rPr>
-              <a:t>	</a:t>
+              <a:t>hoje</a:t>
             </a:r>
             <a:r>
               <a:rPr lang="en" sz="4000" dirty="0" smtClean="0">
                 <a:latin typeface="Aquawax Pro Bold" panose="02000003020000020004" pitchFamily="50" charset="0"/>
               </a:rPr>
-              <a:t>hoje?</a:t>
+              <a:t>?</a:t>
             </a:r>
             <a:endParaRPr sz="4000" dirty="0">
               <a:latin typeface="Aquawax Pro Bold" panose="02000003020000020004" pitchFamily="50" charset="0"/>
